--- a/cpu_car/fig.pptx
+++ b/cpu_car/fig.pptx
@@ -6,6 +6,7 @@
   </p:sldMasterIdLst>
   <p:sldIdLst>
     <p:sldId id="256" r:id="rId2"/>
+    <p:sldId id="257" r:id="rId3"/>
   </p:sldIdLst>
   <p:sldSz cx="12192000" cy="6858000"/>
   <p:notesSz cx="6858000" cy="9144000"/>
@@ -254,7 +255,7 @@
           <a:p>
             <a:fld id="{85A79668-6D1D-49EF-AEDA-7E5C8561DF01}" type="datetimeFigureOut">
               <a:rPr kumimoji="1" lang="ja-JP" altLang="en-US" smtClean="0"/>
-              <a:t>2020/9/8</a:t>
+              <a:t>2020/9/11</a:t>
             </a:fld>
             <a:endParaRPr kumimoji="1" lang="ja-JP" altLang="en-US"/>
           </a:p>
@@ -456,7 +457,7 @@
           <a:p>
             <a:fld id="{85A79668-6D1D-49EF-AEDA-7E5C8561DF01}" type="datetimeFigureOut">
               <a:rPr kumimoji="1" lang="ja-JP" altLang="en-US" smtClean="0"/>
-              <a:t>2020/9/8</a:t>
+              <a:t>2020/9/11</a:t>
             </a:fld>
             <a:endParaRPr kumimoji="1" lang="ja-JP" altLang="en-US"/>
           </a:p>
@@ -668,7 +669,7 @@
           <a:p>
             <a:fld id="{85A79668-6D1D-49EF-AEDA-7E5C8561DF01}" type="datetimeFigureOut">
               <a:rPr kumimoji="1" lang="ja-JP" altLang="en-US" smtClean="0"/>
-              <a:t>2020/9/8</a:t>
+              <a:t>2020/9/11</a:t>
             </a:fld>
             <a:endParaRPr kumimoji="1" lang="ja-JP" altLang="en-US"/>
           </a:p>
@@ -870,7 +871,7 @@
           <a:p>
             <a:fld id="{85A79668-6D1D-49EF-AEDA-7E5C8561DF01}" type="datetimeFigureOut">
               <a:rPr kumimoji="1" lang="ja-JP" altLang="en-US" smtClean="0"/>
-              <a:t>2020/9/8</a:t>
+              <a:t>2020/9/11</a:t>
             </a:fld>
             <a:endParaRPr kumimoji="1" lang="ja-JP" altLang="en-US"/>
           </a:p>
@@ -1116,7 +1117,7 @@
           <a:p>
             <a:fld id="{85A79668-6D1D-49EF-AEDA-7E5C8561DF01}" type="datetimeFigureOut">
               <a:rPr kumimoji="1" lang="ja-JP" altLang="en-US" smtClean="0"/>
-              <a:t>2020/9/8</a:t>
+              <a:t>2020/9/11</a:t>
             </a:fld>
             <a:endParaRPr kumimoji="1" lang="ja-JP" altLang="en-US"/>
           </a:p>
@@ -1412,7 +1413,7 @@
           <a:p>
             <a:fld id="{85A79668-6D1D-49EF-AEDA-7E5C8561DF01}" type="datetimeFigureOut">
               <a:rPr kumimoji="1" lang="ja-JP" altLang="en-US" smtClean="0"/>
-              <a:t>2020/9/8</a:t>
+              <a:t>2020/9/11</a:t>
             </a:fld>
             <a:endParaRPr kumimoji="1" lang="ja-JP" altLang="en-US"/>
           </a:p>
@@ -1843,7 +1844,7 @@
           <a:p>
             <a:fld id="{85A79668-6D1D-49EF-AEDA-7E5C8561DF01}" type="datetimeFigureOut">
               <a:rPr kumimoji="1" lang="ja-JP" altLang="en-US" smtClean="0"/>
-              <a:t>2020/9/8</a:t>
+              <a:t>2020/9/11</a:t>
             </a:fld>
             <a:endParaRPr kumimoji="1" lang="ja-JP" altLang="en-US"/>
           </a:p>
@@ -1961,7 +1962,7 @@
           <a:p>
             <a:fld id="{85A79668-6D1D-49EF-AEDA-7E5C8561DF01}" type="datetimeFigureOut">
               <a:rPr kumimoji="1" lang="ja-JP" altLang="en-US" smtClean="0"/>
-              <a:t>2020/9/8</a:t>
+              <a:t>2020/9/11</a:t>
             </a:fld>
             <a:endParaRPr kumimoji="1" lang="ja-JP" altLang="en-US"/>
           </a:p>
@@ -2056,7 +2057,7 @@
           <a:p>
             <a:fld id="{85A79668-6D1D-49EF-AEDA-7E5C8561DF01}" type="datetimeFigureOut">
               <a:rPr kumimoji="1" lang="ja-JP" altLang="en-US" smtClean="0"/>
-              <a:t>2020/9/8</a:t>
+              <a:t>2020/9/11</a:t>
             </a:fld>
             <a:endParaRPr kumimoji="1" lang="ja-JP" altLang="en-US"/>
           </a:p>
@@ -2365,7 +2366,7 @@
           <a:p>
             <a:fld id="{85A79668-6D1D-49EF-AEDA-7E5C8561DF01}" type="datetimeFigureOut">
               <a:rPr kumimoji="1" lang="ja-JP" altLang="en-US" smtClean="0"/>
-              <a:t>2020/9/8</a:t>
+              <a:t>2020/9/11</a:t>
             </a:fld>
             <a:endParaRPr kumimoji="1" lang="ja-JP" altLang="en-US"/>
           </a:p>
@@ -2618,7 +2619,7 @@
           <a:p>
             <a:fld id="{85A79668-6D1D-49EF-AEDA-7E5C8561DF01}" type="datetimeFigureOut">
               <a:rPr kumimoji="1" lang="ja-JP" altLang="en-US" smtClean="0"/>
-              <a:t>2020/9/8</a:t>
+              <a:t>2020/9/11</a:t>
             </a:fld>
             <a:endParaRPr kumimoji="1" lang="ja-JP" altLang="en-US"/>
           </a:p>
@@ -2863,7 +2864,7 @@
           <a:p>
             <a:fld id="{85A79668-6D1D-49EF-AEDA-7E5C8561DF01}" type="datetimeFigureOut">
               <a:rPr kumimoji="1" lang="ja-JP" altLang="en-US" smtClean="0"/>
-              <a:t>2020/9/8</a:t>
+              <a:t>2020/9/11</a:t>
             </a:fld>
             <a:endParaRPr kumimoji="1" lang="ja-JP" altLang="en-US"/>
           </a:p>
@@ -3276,7 +3277,7 @@
         </p:nvSpPr>
         <p:spPr>
           <a:xfrm>
-            <a:off x="2999656" y="3356992"/>
+            <a:off x="2999656" y="3320988"/>
             <a:ext cx="5538696" cy="646331"/>
           </a:xfrm>
           <a:prstGeom prst="rect">
@@ -3346,7 +3347,7 @@
         </p:nvSpPr>
         <p:spPr>
           <a:xfrm>
-            <a:off x="2999656" y="1844824"/>
+            <a:off x="2999656" y="1808820"/>
             <a:ext cx="7114162" cy="461665"/>
           </a:xfrm>
           <a:prstGeom prst="rect">
@@ -3387,7 +3388,7 @@
         </p:nvSpPr>
         <p:spPr>
           <a:xfrm>
-            <a:off x="2999656" y="1772816"/>
+            <a:off x="2999656" y="1787624"/>
             <a:ext cx="1080120" cy="504056"/>
           </a:xfrm>
           <a:prstGeom prst="roundRect">
@@ -3463,7 +3464,7 @@
         </p:nvSpPr>
         <p:spPr>
           <a:xfrm>
-            <a:off x="2999656" y="3284984"/>
+            <a:off x="2999656" y="3320117"/>
             <a:ext cx="1080120" cy="648072"/>
           </a:xfrm>
           <a:prstGeom prst="roundRect">
@@ -3539,7 +3540,7 @@
         </p:nvSpPr>
         <p:spPr>
           <a:xfrm>
-            <a:off x="4233028" y="1772816"/>
+            <a:off x="4233028" y="1787624"/>
             <a:ext cx="1296144" cy="504056"/>
           </a:xfrm>
           <a:prstGeom prst="roundRect">
@@ -3600,7 +3601,7 @@
         </p:blipFill>
         <p:spPr bwMode="auto">
           <a:xfrm>
-            <a:off x="623392" y="2852936"/>
+            <a:off x="641865" y="2945300"/>
             <a:ext cx="1763961" cy="1521417"/>
           </a:xfrm>
           <a:prstGeom prst="rect">
@@ -3626,7 +3627,7 @@
         </p:nvSpPr>
         <p:spPr>
           <a:xfrm>
-            <a:off x="4336511" y="3303456"/>
+            <a:off x="4336511" y="3320117"/>
             <a:ext cx="1152128" cy="648072"/>
           </a:xfrm>
           <a:prstGeom prst="roundRect">
@@ -3732,7 +3733,7 @@
         </p:nvSpPr>
         <p:spPr>
           <a:xfrm>
-            <a:off x="5856211" y="3284984"/>
+            <a:off x="5856211" y="3320117"/>
             <a:ext cx="1008112" cy="648072"/>
           </a:xfrm>
           <a:prstGeom prst="roundRect">
@@ -3778,7 +3779,7 @@
         </p:nvSpPr>
         <p:spPr>
           <a:xfrm>
-            <a:off x="5610416" y="1782618"/>
+            <a:off x="5610416" y="1792525"/>
             <a:ext cx="1898747" cy="494254"/>
           </a:xfrm>
           <a:prstGeom prst="roundRect">
@@ -3854,7 +3855,7 @@
         </p:nvSpPr>
         <p:spPr>
           <a:xfrm>
-            <a:off x="7645112" y="1772816"/>
+            <a:off x="7645112" y="1787624"/>
             <a:ext cx="2232248" cy="504056"/>
           </a:xfrm>
           <a:prstGeom prst="roundRect">
@@ -3902,7 +3903,7 @@
         </p:nvSpPr>
         <p:spPr>
           <a:xfrm>
-            <a:off x="7351967" y="3284984"/>
+            <a:off x="7351967" y="3320117"/>
             <a:ext cx="1080120" cy="648072"/>
           </a:xfrm>
           <a:prstGeom prst="roundRect">
@@ -4036,6 +4037,343 @@
     <p:extLst>
       <p:ext uri="{BB962C8B-B14F-4D97-AF65-F5344CB8AC3E}">
         <p14:creationId xmlns:p14="http://schemas.microsoft.com/office/powerpoint/2010/main" val="170299310"/>
+      </p:ext>
+    </p:extLst>
+  </p:cSld>
+  <p:clrMapOvr>
+    <a:masterClrMapping/>
+  </p:clrMapOvr>
+</p:sld>
+</file>
+
+<file path=ppt/slides/slide2.xml><?xml version="1.0" encoding="utf-8"?>
+<p:sld xmlns:a="http://schemas.openxmlformats.org/drawingml/2006/main" xmlns:r="http://schemas.openxmlformats.org/officeDocument/2006/relationships" xmlns:p="http://schemas.openxmlformats.org/presentationml/2006/main">
+  <p:cSld>
+    <p:spTree>
+      <p:nvGrpSpPr>
+        <p:cNvPr id="1" name=""/>
+        <p:cNvGrpSpPr/>
+        <p:nvPr/>
+      </p:nvGrpSpPr>
+      <p:grpSpPr>
+        <a:xfrm>
+          <a:off x="0" y="0"/>
+          <a:ext cx="0" cy="0"/>
+          <a:chOff x="0" y="0"/>
+          <a:chExt cx="0" cy="0"/>
+        </a:xfrm>
+      </p:grpSpPr>
+      <p:pic>
+        <p:nvPicPr>
+          <p:cNvPr id="1026" name="Picture 2" descr="ドライブデートのイラスト（女性ドライバー）"/>
+          <p:cNvPicPr>
+            <a:picLocks noChangeAspect="1" noChangeArrowheads="1"/>
+          </p:cNvPicPr>
+          <p:nvPr/>
+        </p:nvPicPr>
+        <p:blipFill>
+          <a:blip r:embed="rId2">
+            <a:extLst>
+              <a:ext uri="{28A0092B-C50C-407E-A947-70E740481C1C}">
+                <a14:useLocalDpi xmlns:a14="http://schemas.microsoft.com/office/drawing/2010/main" val="0"/>
+              </a:ext>
+            </a:extLst>
+          </a:blip>
+          <a:srcRect/>
+          <a:stretch>
+            <a:fillRect/>
+          </a:stretch>
+        </p:blipFill>
+        <p:spPr bwMode="auto">
+          <a:xfrm>
+            <a:off x="1651867" y="1948582"/>
+            <a:ext cx="2495261" cy="2495261"/>
+          </a:xfrm>
+          <a:prstGeom prst="rect">
+            <a:avLst/>
+          </a:prstGeom>
+          <a:noFill/>
+          <a:extLst>
+            <a:ext uri="{909E8E84-426E-40DD-AFC4-6F175D3DCCD1}">
+              <a14:hiddenFill xmlns:a14="http://schemas.microsoft.com/office/drawing/2010/main">
+                <a:solidFill>
+                  <a:srgbClr val="FFFFFF"/>
+                </a:solidFill>
+              </a14:hiddenFill>
+            </a:ext>
+          </a:extLst>
+        </p:spPr>
+      </p:pic>
+      <p:pic>
+        <p:nvPicPr>
+          <p:cNvPr id="1028" name="Picture 4" descr="エンジンのイラスト"/>
+          <p:cNvPicPr>
+            <a:picLocks noChangeAspect="1" noChangeArrowheads="1"/>
+          </p:cNvPicPr>
+          <p:nvPr/>
+        </p:nvPicPr>
+        <p:blipFill>
+          <a:blip r:embed="rId3">
+            <a:extLst>
+              <a:ext uri="{28A0092B-C50C-407E-A947-70E740481C1C}">
+                <a14:useLocalDpi xmlns:a14="http://schemas.microsoft.com/office/drawing/2010/main" val="0"/>
+              </a:ext>
+            </a:extLst>
+          </a:blip>
+          <a:srcRect/>
+          <a:stretch>
+            <a:fillRect/>
+          </a:stretch>
+        </p:blipFill>
+        <p:spPr bwMode="auto">
+          <a:xfrm>
+            <a:off x="5780520" y="2419638"/>
+            <a:ext cx="1987261" cy="1987261"/>
+          </a:xfrm>
+          <a:prstGeom prst="rect">
+            <a:avLst/>
+          </a:prstGeom>
+          <a:noFill/>
+          <a:extLst>
+            <a:ext uri="{909E8E84-426E-40DD-AFC4-6F175D3DCCD1}">
+              <a14:hiddenFill xmlns:a14="http://schemas.microsoft.com/office/drawing/2010/main">
+                <a:solidFill>
+                  <a:srgbClr val="FFFFFF"/>
+                </a:solidFill>
+              </a14:hiddenFill>
+            </a:ext>
+          </a:extLst>
+        </p:spPr>
+      </p:pic>
+      <p:pic>
+        <p:nvPicPr>
+          <p:cNvPr id="1030" name="Picture 6" descr="電動機のイラスト"/>
+          <p:cNvPicPr>
+            <a:picLocks noChangeAspect="1" noChangeArrowheads="1"/>
+          </p:cNvPicPr>
+          <p:nvPr/>
+        </p:nvPicPr>
+        <p:blipFill>
+          <a:blip r:embed="rId4">
+            <a:extLst>
+              <a:ext uri="{28A0092B-C50C-407E-A947-70E740481C1C}">
+                <a14:useLocalDpi xmlns:a14="http://schemas.microsoft.com/office/drawing/2010/main" val="0"/>
+              </a:ext>
+            </a:extLst>
+          </a:blip>
+          <a:srcRect/>
+          <a:stretch>
+            <a:fillRect/>
+          </a:stretch>
+        </p:blipFill>
+        <p:spPr bwMode="auto">
+          <a:xfrm>
+            <a:off x="8255866" y="2424361"/>
+            <a:ext cx="2319771" cy="2139989"/>
+          </a:xfrm>
+          <a:prstGeom prst="rect">
+            <a:avLst/>
+          </a:prstGeom>
+          <a:noFill/>
+          <a:extLst>
+            <a:ext uri="{909E8E84-426E-40DD-AFC4-6F175D3DCCD1}">
+              <a14:hiddenFill xmlns:a14="http://schemas.microsoft.com/office/drawing/2010/main">
+                <a:solidFill>
+                  <a:srgbClr val="FFFFFF"/>
+                </a:solidFill>
+              </a14:hiddenFill>
+            </a:ext>
+          </a:extLst>
+        </p:spPr>
+      </p:pic>
+      <p:sp>
+        <p:nvSpPr>
+          <p:cNvPr id="4" name="テキスト ボックス 3"/>
+          <p:cNvSpPr txBox="1"/>
+          <p:nvPr/>
+        </p:nvSpPr>
+        <p:spPr>
+          <a:xfrm>
+            <a:off x="1939636" y="4793673"/>
+            <a:ext cx="2236510" cy="584775"/>
+          </a:xfrm>
+          <a:prstGeom prst="rect">
+            <a:avLst/>
+          </a:prstGeom>
+          <a:noFill/>
+        </p:spPr>
+        <p:txBody>
+          <a:bodyPr wrap="none" rtlCol="0">
+            <a:spAutoFit/>
+          </a:bodyPr>
+          <a:lstStyle/>
+          <a:p>
+            <a:r>
+              <a:rPr kumimoji="1" lang="ja-JP" altLang="en-US" sz="3200" dirty="0" smtClean="0"/>
+              <a:t>命令セット</a:t>
+            </a:r>
+            <a:endParaRPr kumimoji="1" lang="ja-JP" altLang="en-US" sz="3200" dirty="0"/>
+          </a:p>
+        </p:txBody>
+      </p:sp>
+      <p:sp>
+        <p:nvSpPr>
+          <p:cNvPr id="8" name="テキスト ボックス 7"/>
+          <p:cNvSpPr txBox="1"/>
+          <p:nvPr/>
+        </p:nvSpPr>
+        <p:spPr>
+          <a:xfrm>
+            <a:off x="1935018" y="872836"/>
+            <a:ext cx="1826141" cy="584775"/>
+          </a:xfrm>
+          <a:prstGeom prst="rect">
+            <a:avLst/>
+          </a:prstGeom>
+          <a:noFill/>
+        </p:spPr>
+        <p:txBody>
+          <a:bodyPr wrap="none" rtlCol="0">
+            <a:spAutoFit/>
+          </a:bodyPr>
+          <a:lstStyle/>
+          <a:p>
+            <a:r>
+              <a:rPr lang="ja-JP" altLang="en-US" sz="3200" dirty="0" smtClean="0"/>
+              <a:t>運転</a:t>
+            </a:r>
+            <a:r>
+              <a:rPr lang="ja-JP" altLang="en-US" sz="3200" dirty="0"/>
+              <a:t>方法</a:t>
+            </a:r>
+            <a:endParaRPr kumimoji="1" lang="ja-JP" altLang="en-US" sz="3200" dirty="0"/>
+          </a:p>
+        </p:txBody>
+      </p:sp>
+      <p:sp>
+        <p:nvSpPr>
+          <p:cNvPr id="9" name="テキスト ボックス 8"/>
+          <p:cNvSpPr txBox="1"/>
+          <p:nvPr/>
+        </p:nvSpPr>
+        <p:spPr>
+          <a:xfrm>
+            <a:off x="7444509" y="886691"/>
+            <a:ext cx="1415772" cy="584775"/>
+          </a:xfrm>
+          <a:prstGeom prst="rect">
+            <a:avLst/>
+          </a:prstGeom>
+          <a:noFill/>
+        </p:spPr>
+        <p:txBody>
+          <a:bodyPr wrap="none" rtlCol="0">
+            <a:spAutoFit/>
+          </a:bodyPr>
+          <a:lstStyle/>
+          <a:p>
+            <a:r>
+              <a:rPr kumimoji="1" lang="ja-JP" altLang="en-US" sz="3200" dirty="0" smtClean="0"/>
+              <a:t>動力源</a:t>
+            </a:r>
+            <a:endParaRPr kumimoji="1" lang="ja-JP" altLang="en-US" sz="3200" dirty="0"/>
+          </a:p>
+        </p:txBody>
+      </p:sp>
+      <p:sp>
+        <p:nvSpPr>
+          <p:cNvPr id="10" name="テキスト ボックス 9"/>
+          <p:cNvSpPr txBox="1"/>
+          <p:nvPr/>
+        </p:nvSpPr>
+        <p:spPr>
+          <a:xfrm>
+            <a:off x="5435599" y="1981201"/>
+            <a:ext cx="2646878" cy="461665"/>
+          </a:xfrm>
+          <a:prstGeom prst="rect">
+            <a:avLst/>
+          </a:prstGeom>
+          <a:noFill/>
+        </p:spPr>
+        <p:txBody>
+          <a:bodyPr wrap="none" rtlCol="0">
+            <a:spAutoFit/>
+          </a:bodyPr>
+          <a:lstStyle/>
+          <a:p>
+            <a:r>
+              <a:rPr kumimoji="1" lang="ja-JP" altLang="en-US" sz="2400" dirty="0" smtClean="0"/>
+              <a:t>ガソリンエンジン</a:t>
+            </a:r>
+            <a:endParaRPr kumimoji="1" lang="ja-JP" altLang="en-US" sz="2400" dirty="0"/>
+          </a:p>
+        </p:txBody>
+      </p:sp>
+      <p:sp>
+        <p:nvSpPr>
+          <p:cNvPr id="11" name="テキスト ボックス 10"/>
+          <p:cNvSpPr txBox="1"/>
+          <p:nvPr/>
+        </p:nvSpPr>
+        <p:spPr>
+          <a:xfrm>
+            <a:off x="8672945" y="1948873"/>
+            <a:ext cx="1415772" cy="461665"/>
+          </a:xfrm>
+          <a:prstGeom prst="rect">
+            <a:avLst/>
+          </a:prstGeom>
+          <a:noFill/>
+        </p:spPr>
+        <p:txBody>
+          <a:bodyPr wrap="none" rtlCol="0">
+            <a:spAutoFit/>
+          </a:bodyPr>
+          <a:lstStyle/>
+          <a:p>
+            <a:r>
+              <a:rPr kumimoji="1" lang="ja-JP" altLang="en-US" sz="2400" dirty="0" smtClean="0"/>
+              <a:t>モーター</a:t>
+            </a:r>
+            <a:endParaRPr kumimoji="1" lang="ja-JP" altLang="en-US" sz="2400" dirty="0"/>
+          </a:p>
+        </p:txBody>
+      </p:sp>
+      <p:sp>
+        <p:nvSpPr>
+          <p:cNvPr id="12" name="テキスト ボックス 11"/>
+          <p:cNvSpPr txBox="1"/>
+          <p:nvPr/>
+        </p:nvSpPr>
+        <p:spPr>
+          <a:xfrm>
+            <a:off x="5777345" y="4816764"/>
+            <a:ext cx="4698722" cy="584775"/>
+          </a:xfrm>
+          <a:prstGeom prst="rect">
+            <a:avLst/>
+          </a:prstGeom>
+          <a:noFill/>
+        </p:spPr>
+        <p:txBody>
+          <a:bodyPr wrap="none" rtlCol="0">
+            <a:spAutoFit/>
+          </a:bodyPr>
+          <a:lstStyle/>
+          <a:p>
+            <a:r>
+              <a:rPr kumimoji="1" lang="ja-JP" altLang="en-US" sz="3200" dirty="0" smtClean="0"/>
+              <a:t>マイクロアーキテクチャ</a:t>
+            </a:r>
+            <a:endParaRPr kumimoji="1" lang="ja-JP" altLang="en-US" sz="3200" dirty="0"/>
+          </a:p>
+        </p:txBody>
+      </p:sp>
+    </p:spTree>
+    <p:extLst>
+      <p:ext uri="{BB962C8B-B14F-4D97-AF65-F5344CB8AC3E}">
+        <p14:creationId xmlns:p14="http://schemas.microsoft.com/office/powerpoint/2010/main" val="858982435"/>
       </p:ext>
     </p:extLst>
   </p:cSld>
